--- a/meetings/week 15 Meeting.pptx
+++ b/meetings/week 15 Meeting.pptx
@@ -135,7 +135,7 @@
   <pc:docChgLst>
     <pc:chgData name="toby lee" userId="c2b0b406bfa6151f" providerId="LiveId" clId="{B6A614AA-91CD-43F7-B5A0-BEF7681BB214}"/>
     <pc:docChg chg="undo custSel addSld delSld modSld sldOrd">
-      <pc:chgData name="toby lee" userId="c2b0b406bfa6151f" providerId="LiveId" clId="{B6A614AA-91CD-43F7-B5A0-BEF7681BB214}" dt="2022-01-31T03:17:41.060" v="3928" actId="1076"/>
+      <pc:chgData name="toby lee" userId="c2b0b406bfa6151f" providerId="LiveId" clId="{B6A614AA-91CD-43F7-B5A0-BEF7681BB214}" dt="2022-01-31T11:51:46.604" v="4107"/>
       <pc:docMkLst>
         <pc:docMk/>
       </pc:docMkLst>
@@ -241,7 +241,7 @@
         </pc:picChg>
       </pc:sldChg>
       <pc:sldChg chg="modSp new mod">
-        <pc:chgData name="toby lee" userId="c2b0b406bfa6151f" providerId="LiveId" clId="{B6A614AA-91CD-43F7-B5A0-BEF7681BB214}" dt="2022-01-24T12:00:58.169" v="92" actId="20577"/>
+        <pc:chgData name="toby lee" userId="c2b0b406bfa6151f" providerId="LiveId" clId="{B6A614AA-91CD-43F7-B5A0-BEF7681BB214}" dt="2022-01-31T11:51:10.854" v="4078" actId="20577"/>
         <pc:sldMkLst>
           <pc:docMk/>
           <pc:sldMk cId="2932424890" sldId="258"/>
@@ -255,7 +255,7 @@
           </ac:spMkLst>
         </pc:spChg>
         <pc:spChg chg="mod">
-          <ac:chgData name="toby lee" userId="c2b0b406bfa6151f" providerId="LiveId" clId="{B6A614AA-91CD-43F7-B5A0-BEF7681BB214}" dt="2022-01-24T12:00:58.169" v="92" actId="20577"/>
+          <ac:chgData name="toby lee" userId="c2b0b406bfa6151f" providerId="LiveId" clId="{B6A614AA-91CD-43F7-B5A0-BEF7681BB214}" dt="2022-01-31T11:51:10.854" v="4078" actId="20577"/>
           <ac:spMkLst>
             <pc:docMk/>
             <pc:sldMk cId="2932424890" sldId="258"/>
@@ -316,7 +316,7 @@
         </pc:sldMkLst>
       </pc:sldChg>
       <pc:sldChg chg="modSp new mod">
-        <pc:chgData name="toby lee" userId="c2b0b406bfa6151f" providerId="LiveId" clId="{B6A614AA-91CD-43F7-B5A0-BEF7681BB214}" dt="2022-01-24T12:01:23.395" v="166" actId="20577"/>
+        <pc:chgData name="toby lee" userId="c2b0b406bfa6151f" providerId="LiveId" clId="{B6A614AA-91CD-43F7-B5A0-BEF7681BB214}" dt="2022-01-31T11:50:39.676" v="4027" actId="21"/>
         <pc:sldMkLst>
           <pc:docMk/>
           <pc:sldMk cId="3744530095" sldId="261"/>
@@ -327,6 +327,14 @@
             <pc:docMk/>
             <pc:sldMk cId="3744530095" sldId="261"/>
             <ac:spMk id="2" creationId="{CEF0040F-6121-46B1-90CA-B95A7A050A52}"/>
+          </ac:spMkLst>
+        </pc:spChg>
+        <pc:spChg chg="mod">
+          <ac:chgData name="toby lee" userId="c2b0b406bfa6151f" providerId="LiveId" clId="{B6A614AA-91CD-43F7-B5A0-BEF7681BB214}" dt="2022-01-31T11:50:39.676" v="4027" actId="21"/>
+          <ac:spMkLst>
+            <pc:docMk/>
+            <pc:sldMk cId="3744530095" sldId="261"/>
+            <ac:spMk id="3" creationId="{B3ED2D35-EE1D-4AB6-828F-14F601A4042D}"/>
           </ac:spMkLst>
         </pc:spChg>
       </pc:sldChg>
@@ -383,7 +391,7 @@
         </pc:sldMkLst>
       </pc:sldChg>
       <pc:sldChg chg="modSp new mod">
-        <pc:chgData name="toby lee" userId="c2b0b406bfa6151f" providerId="LiveId" clId="{B6A614AA-91CD-43F7-B5A0-BEF7681BB214}" dt="2022-01-30T17:04:47.007" v="1662" actId="20577"/>
+        <pc:chgData name="toby lee" userId="c2b0b406bfa6151f" providerId="LiveId" clId="{B6A614AA-91CD-43F7-B5A0-BEF7681BB214}" dt="2022-01-31T11:22:48.496" v="3970" actId="20577"/>
         <pc:sldMkLst>
           <pc:docMk/>
           <pc:sldMk cId="2645015638" sldId="263"/>
@@ -397,7 +405,7 @@
           </ac:spMkLst>
         </pc:spChg>
         <pc:spChg chg="mod">
-          <ac:chgData name="toby lee" userId="c2b0b406bfa6151f" providerId="LiveId" clId="{B6A614AA-91CD-43F7-B5A0-BEF7681BB214}" dt="2022-01-30T17:04:47.007" v="1662" actId="20577"/>
+          <ac:chgData name="toby lee" userId="c2b0b406bfa6151f" providerId="LiveId" clId="{B6A614AA-91CD-43F7-B5A0-BEF7681BB214}" dt="2022-01-31T11:22:48.496" v="3970" actId="20577"/>
           <ac:spMkLst>
             <pc:docMk/>
             <pc:sldMk cId="2645015638" sldId="263"/>
@@ -475,7 +483,7 @@
         </pc:sldMkLst>
       </pc:sldChg>
       <pc:sldChg chg="modSp new mod ord">
-        <pc:chgData name="toby lee" userId="c2b0b406bfa6151f" providerId="LiveId" clId="{B6A614AA-91CD-43F7-B5A0-BEF7681BB214}" dt="2022-01-31T01:57:20.535" v="3798" actId="20577"/>
+        <pc:chgData name="toby lee" userId="c2b0b406bfa6151f" providerId="LiveId" clId="{B6A614AA-91CD-43F7-B5A0-BEF7681BB214}" dt="2022-01-31T11:51:46.604" v="4107"/>
         <pc:sldMkLst>
           <pc:docMk/>
           <pc:sldMk cId="3851457846" sldId="266"/>
@@ -489,7 +497,7 @@
           </ac:spMkLst>
         </pc:spChg>
         <pc:spChg chg="mod">
-          <ac:chgData name="toby lee" userId="c2b0b406bfa6151f" providerId="LiveId" clId="{B6A614AA-91CD-43F7-B5A0-BEF7681BB214}" dt="2022-01-31T01:57:20.535" v="3798" actId="20577"/>
+          <ac:chgData name="toby lee" userId="c2b0b406bfa6151f" providerId="LiveId" clId="{B6A614AA-91CD-43F7-B5A0-BEF7681BB214}" dt="2022-01-31T11:51:46.604" v="4107"/>
           <ac:spMkLst>
             <pc:docMk/>
             <pc:sldMk cId="3851457846" sldId="266"/>
@@ -5083,7 +5091,7 @@
           <a:bodyPr/>
           <a:lstStyle/>
           <a:p>
-            <a:endParaRPr lang="en-GB"/>
+            <a:endParaRPr lang="en-GB" dirty="0"/>
           </a:p>
         </p:txBody>
       </p:sp>
@@ -5171,6 +5179,15 @@
               <a:t>Missing at random, Not at random explain</a:t>
             </a:r>
           </a:p>
+          <a:p>
+            <a:r>
+              <a:rPr lang="en-GB" dirty="0"/>
+              <a:t>Time series dependency not well addressed</a:t>
+            </a:r>
+          </a:p>
+          <a:p>
+            <a:endParaRPr lang="en-GB" dirty="0"/>
+          </a:p>
         </p:txBody>
       </p:sp>
     </p:spTree>
@@ -5284,7 +5301,21 @@
             </a:r>
             <a:r>
               <a:rPr lang="en-GB" dirty="0"/>
-              <a:t>)</a:t>
+              <a:t>) (17569 X 768) </a:t>
+            </a:r>
+            <a:r>
+              <a:rPr lang="en-GB" b="0" i="0" dirty="0">
+                <a:solidFill>
+                  <a:schemeClr val="tx1"/>
+                </a:solidFill>
+                <a:effectLst/>
+                <a:latin typeface="Segoe WPC"/>
+              </a:rPr>
+              <a:t>843312 x 843312           </a:t>
+            </a:r>
+            <a:r>
+              <a:rPr lang="en-GB" dirty="0"/>
+              <a:t>17569x 17569</a:t>
             </a:r>
           </a:p>
           <a:p>
@@ -5953,6 +5984,12 @@
             <a:r>
               <a:rPr lang="en-GB" dirty="0"/>
               <a:t>Imputation methods for Electronic health record</a:t>
+            </a:r>
+          </a:p>
+          <a:p>
+            <a:r>
+              <a:rPr lang="en-GB" dirty="0"/>
+              <a:t>Imputation strategies for Electronic health record</a:t>
             </a:r>
           </a:p>
         </p:txBody>
